--- a/Student Interest System.pptx
+++ b/Student Interest System.pptx
@@ -11,12 +11,16 @@
     <p:sldId id="259" r:id="rId5"/>
     <p:sldId id="260" r:id="rId6"/>
     <p:sldId id="261" r:id="rId7"/>
-    <p:sldId id="262" r:id="rId8"/>
-    <p:sldId id="263" r:id="rId9"/>
-    <p:sldId id="264" r:id="rId10"/>
-    <p:sldId id="265" r:id="rId11"/>
-    <p:sldId id="266" r:id="rId12"/>
-    <p:sldId id="267" r:id="rId13"/>
+    <p:sldId id="268" r:id="rId8"/>
+    <p:sldId id="269" r:id="rId9"/>
+    <p:sldId id="270" r:id="rId10"/>
+    <p:sldId id="262" r:id="rId11"/>
+    <p:sldId id="263" r:id="rId12"/>
+    <p:sldId id="271" r:id="rId13"/>
+    <p:sldId id="264" r:id="rId14"/>
+    <p:sldId id="265" r:id="rId15"/>
+    <p:sldId id="266" r:id="rId16"/>
+    <p:sldId id="267" r:id="rId17"/>
   </p:sldIdLst>
   <p:sldSz cx="9144000" cy="6858000" type="screen4x3"/>
   <p:notesSz cx="6858000" cy="9144000"/>
@@ -3828,16 +3832,40 @@
           <a:chExt cx="0" cy="0"/>
         </a:xfrm>
       </p:grpSpPr>
-      <p:sp>
-        <p:nvSpPr>
-          <p:cNvPr id="2" name="Rectangle 1"/>
+      <p:pic>
+        <p:nvPicPr>
+          <p:cNvPr id="4" name="Picture 3" descr="a9.PNG"/>
+          <p:cNvPicPr>
+            <a:picLocks noChangeAspect="1"/>
+          </p:cNvPicPr>
+          <p:nvPr/>
+        </p:nvPicPr>
+        <p:blipFill>
+          <a:blip r:embed="rId2"/>
+          <a:stretch>
+            <a:fillRect/>
+          </a:stretch>
+        </p:blipFill>
+        <p:spPr>
+          <a:xfrm>
+            <a:off x="609600" y="1219200"/>
+            <a:ext cx="7772400" cy="5317216"/>
+          </a:xfrm>
+          <a:prstGeom prst="rect">
+            <a:avLst/>
+          </a:prstGeom>
+        </p:spPr>
+      </p:pic>
+      <p:sp>
+        <p:nvSpPr>
+          <p:cNvPr id="3" name="Rectangle 2"/>
           <p:cNvSpPr/>
           <p:nvPr/>
         </p:nvSpPr>
         <p:spPr>
           <a:xfrm>
-            <a:off x="838200" y="838200"/>
-            <a:ext cx="7848600" cy="5724644"/>
+            <a:off x="685800" y="609600"/>
+            <a:ext cx="4114800" cy="523220"/>
           </a:xfrm>
           <a:prstGeom prst="rect">
             <a:avLst/>
@@ -3850,110 +3878,10 @@
           <a:lstStyle/>
           <a:p>
             <a:r>
-              <a:rPr lang="en-GB" sz="3200" dirty="0" smtClean="0"/>
-              <a:t>Technologies: </a:t>
-            </a:r>
-          </a:p>
-          <a:p>
-            <a:endParaRPr lang="en-GB" dirty="0" smtClean="0"/>
-          </a:p>
-          <a:p>
-            <a:r>
-              <a:rPr lang="en-GB" dirty="0" smtClean="0">
-                <a:solidFill>
-                  <a:schemeClr val="bg1"/>
-                </a:solidFill>
-              </a:rPr>
-              <a:t>Flask: </a:t>
-            </a:r>
-            <a:r>
-              <a:rPr lang="en-GB" dirty="0" smtClean="0"/>
-              <a:t>Flask is a lightweight web framework for Python. It's used here to handle routing, request handling, and rendering templates. </a:t>
-            </a:r>
-            <a:r>
-              <a:rPr lang="en-GB" dirty="0" smtClean="0"/>
-              <a:t>As a micro-framework, it provides the necessary tools to build a robust web application without unnecessary complexity.</a:t>
-            </a:r>
-            <a:endParaRPr lang="en-GB" dirty="0" smtClean="0"/>
-          </a:p>
-          <a:p>
-            <a:endParaRPr lang="en-GB" dirty="0" smtClean="0"/>
-          </a:p>
-          <a:p>
-            <a:r>
-              <a:rPr lang="en-GB" dirty="0" err="1" smtClean="0">
-                <a:solidFill>
-                  <a:schemeClr val="bg1"/>
-                </a:solidFill>
-              </a:rPr>
-              <a:t>Pymysql</a:t>
-            </a:r>
-            <a:r>
-              <a:rPr lang="en-GB" dirty="0" smtClean="0">
-                <a:solidFill>
-                  <a:schemeClr val="bg1"/>
-                </a:solidFill>
-              </a:rPr>
-              <a:t>: </a:t>
-            </a:r>
-            <a:r>
-              <a:rPr lang="en-GB" dirty="0" smtClean="0"/>
-              <a:t>This library is used to connect to a </a:t>
-            </a:r>
-            <a:r>
-              <a:rPr lang="en-GB" dirty="0" err="1" smtClean="0"/>
-              <a:t>MySQL</a:t>
-            </a:r>
-            <a:r>
-              <a:rPr lang="en-GB" dirty="0" smtClean="0"/>
-              <a:t> database. It facilitates the interaction between the Python application and the database. </a:t>
-            </a:r>
-            <a:r>
-              <a:rPr lang="en-GB" dirty="0" smtClean="0"/>
-              <a:t>Html/</a:t>
-            </a:r>
-            <a:r>
-              <a:rPr lang="en-GB" dirty="0" err="1" smtClean="0"/>
-              <a:t>css</a:t>
-            </a:r>
-            <a:r>
-              <a:rPr lang="en-GB" dirty="0" smtClean="0"/>
-              <a:t>/</a:t>
-            </a:r>
-            <a:r>
-              <a:rPr lang="en-GB" dirty="0" err="1" smtClean="0"/>
-              <a:t>js</a:t>
-            </a:r>
-            <a:r>
-              <a:rPr lang="en-GB" dirty="0" smtClean="0"/>
-              <a:t>.</a:t>
-            </a:r>
-            <a:endParaRPr lang="en-GB" dirty="0" smtClean="0"/>
-          </a:p>
-          <a:p>
-            <a:endParaRPr lang="en-GB" dirty="0" smtClean="0"/>
-          </a:p>
-          <a:p>
-            <a:endParaRPr lang="en-GB" sz="3200" dirty="0" smtClean="0"/>
-          </a:p>
-          <a:p>
-            <a:r>
-              <a:rPr lang="en-GB" sz="3200" dirty="0" smtClean="0"/>
-              <a:t>Template:</a:t>
-            </a:r>
-          </a:p>
-          <a:p>
-            <a:r>
-              <a:rPr lang="en-GB" dirty="0" smtClean="0"/>
-              <a:t> </a:t>
-            </a:r>
-          </a:p>
-          <a:p>
-            <a:r>
-              <a:rPr lang="en-GB" dirty="0" smtClean="0"/>
-              <a:t>The code uses HTML templates to render the views. For example, add_student.html, display_students.html, view_student.html, edit_student.html, dashboard.html, Register.html, and login.html are templates that render different pages of the application.</a:t>
-            </a:r>
-            <a:endParaRPr lang="en-US" dirty="0"/>
+              <a:rPr lang="en-GB" sz="2800" b="1" dirty="0" smtClean="0"/>
+              <a:t>Add Student: </a:t>
+            </a:r>
+            <a:endParaRPr lang="en-US" sz="2800" b="1" dirty="0"/>
           </a:p>
         </p:txBody>
       </p:sp>
@@ -3982,16 +3910,40 @@
           <a:chExt cx="0" cy="0"/>
         </a:xfrm>
       </p:grpSpPr>
-      <p:sp>
-        <p:nvSpPr>
-          <p:cNvPr id="2" name="Rectangle 1"/>
+      <p:pic>
+        <p:nvPicPr>
+          <p:cNvPr id="8" name="Picture 7" descr="a13.PNG"/>
+          <p:cNvPicPr>
+            <a:picLocks noChangeAspect="1"/>
+          </p:cNvPicPr>
+          <p:nvPr/>
+        </p:nvPicPr>
+        <p:blipFill>
+          <a:blip r:embed="rId2"/>
+          <a:stretch>
+            <a:fillRect/>
+          </a:stretch>
+        </p:blipFill>
+        <p:spPr>
+          <a:xfrm>
+            <a:off x="457200" y="990601"/>
+            <a:ext cx="8305800" cy="5410200"/>
+          </a:xfrm>
+          <a:prstGeom prst="rect">
+            <a:avLst/>
+          </a:prstGeom>
+        </p:spPr>
+      </p:pic>
+      <p:sp>
+        <p:nvSpPr>
+          <p:cNvPr id="9" name="Rectangle 8"/>
           <p:cNvSpPr/>
           <p:nvPr/>
         </p:nvSpPr>
         <p:spPr>
           <a:xfrm>
-            <a:off x="457200" y="457201"/>
-            <a:ext cx="8382000" cy="5478423"/>
+            <a:off x="457200" y="457200"/>
+            <a:ext cx="4267200" cy="523220"/>
           </a:xfrm>
           <a:prstGeom prst="rect">
             <a:avLst/>
@@ -4004,169 +3956,10 @@
           <a:lstStyle/>
           <a:p>
             <a:r>
-              <a:rPr lang="en-GB" sz="3200" dirty="0" err="1" smtClean="0"/>
-              <a:t>Color</a:t>
-            </a:r>
-            <a:r>
-              <a:rPr lang="en-GB" sz="3200" dirty="0" smtClean="0"/>
-              <a:t> Scheme: </a:t>
-            </a:r>
-          </a:p>
-          <a:p>
-            <a:endParaRPr lang="en-GB" dirty="0" smtClean="0"/>
-          </a:p>
-          <a:p>
-            <a:r>
-              <a:rPr lang="en-GB" b="1" dirty="0" smtClean="0">
-                <a:solidFill>
-                  <a:schemeClr val="bg1"/>
-                </a:solidFill>
-              </a:rPr>
-              <a:t>Background Gradient: </a:t>
-            </a:r>
-            <a:r>
-              <a:rPr lang="en-GB" dirty="0" err="1" smtClean="0"/>
-              <a:t>Colors</a:t>
-            </a:r>
-            <a:r>
-              <a:rPr lang="en-GB" dirty="0" smtClean="0"/>
-              <a:t>: #ee7752, #e73c7e, #23a6d5, #23d5ab This creates a gradient background that transitions between shades of orange, pink, light blue, and green. I use hover Effect.</a:t>
-            </a:r>
-          </a:p>
-          <a:p>
-            <a:endParaRPr lang="en-GB" b="1" dirty="0" smtClean="0"/>
-          </a:p>
-          <a:p>
-            <a:r>
-              <a:rPr lang="en-GB" b="1" dirty="0" smtClean="0">
-                <a:solidFill>
-                  <a:schemeClr val="bg1"/>
-                </a:solidFill>
-              </a:rPr>
-              <a:t>Form Background: </a:t>
-            </a:r>
-            <a:r>
-              <a:rPr lang="en-GB" dirty="0" smtClean="0"/>
-              <a:t>Light gray background for the form. </a:t>
-            </a:r>
-          </a:p>
-          <a:p>
-            <a:endParaRPr lang="en-GB" b="1" dirty="0" smtClean="0"/>
-          </a:p>
-          <a:p>
-            <a:r>
-              <a:rPr lang="en-GB" b="1" dirty="0" smtClean="0">
-                <a:solidFill>
-                  <a:schemeClr val="bg1"/>
-                </a:solidFill>
-              </a:rPr>
-              <a:t>Text </a:t>
-            </a:r>
-            <a:r>
-              <a:rPr lang="en-GB" b="1" dirty="0" err="1" smtClean="0">
-                <a:solidFill>
-                  <a:schemeClr val="bg1"/>
-                </a:solidFill>
-              </a:rPr>
-              <a:t>Colors</a:t>
-            </a:r>
-            <a:r>
-              <a:rPr lang="en-GB" b="1" dirty="0" smtClean="0">
-                <a:solidFill>
-                  <a:schemeClr val="bg1"/>
-                </a:solidFill>
-              </a:rPr>
-              <a:t>: </a:t>
-            </a:r>
-          </a:p>
-          <a:p>
-            <a:pPr>
-              <a:buFont typeface="Wingdings" pitchFamily="2" charset="2"/>
-              <a:buChar char="Ø"/>
-            </a:pPr>
-            <a:r>
-              <a:rPr lang="en-GB" dirty="0" smtClean="0"/>
-              <a:t>White (#</a:t>
-            </a:r>
-            <a:r>
-              <a:rPr lang="en-GB" dirty="0" err="1" smtClean="0"/>
-              <a:t>fff</a:t>
-            </a:r>
-            <a:r>
-              <a:rPr lang="en-GB" dirty="0" smtClean="0"/>
-              <a:t>) for header text.</a:t>
-            </a:r>
-          </a:p>
-          <a:p>
-            <a:pPr>
-              <a:buFont typeface="Wingdings" pitchFamily="2" charset="2"/>
-              <a:buChar char="Ø"/>
-            </a:pPr>
-            <a:r>
-              <a:rPr lang="en-GB" dirty="0" smtClean="0"/>
-              <a:t> Dark red (#</a:t>
-            </a:r>
-            <a:r>
-              <a:rPr lang="en-GB" dirty="0" err="1" smtClean="0"/>
-              <a:t>darkred</a:t>
-            </a:r>
-            <a:r>
-              <a:rPr lang="en-GB" dirty="0" smtClean="0"/>
-              <a:t>) for label text. </a:t>
-            </a:r>
-          </a:p>
-          <a:p>
-            <a:pPr>
-              <a:buFont typeface="Wingdings" pitchFamily="2" charset="2"/>
-              <a:buChar char="Ø"/>
-            </a:pPr>
-            <a:r>
-              <a:rPr lang="en-GB" dirty="0" smtClean="0"/>
-              <a:t>Various shades of blue and red for form input borders and button  gradients. </a:t>
-            </a:r>
-          </a:p>
-          <a:p>
-            <a:endParaRPr lang="en-GB" dirty="0" smtClean="0"/>
-          </a:p>
-          <a:p>
-            <a:r>
-              <a:rPr lang="en-GB" sz="3200" dirty="0" smtClean="0"/>
-              <a:t>Fonts: </a:t>
-            </a:r>
-          </a:p>
-          <a:p>
-            <a:endParaRPr lang="en-GB" sz="1600" dirty="0" smtClean="0"/>
-          </a:p>
-          <a:p>
-            <a:r>
-              <a:rPr lang="en-GB" dirty="0" smtClean="0">
-                <a:solidFill>
-                  <a:schemeClr val="bg1"/>
-                </a:solidFill>
-              </a:rPr>
-              <a:t>Font Family: </a:t>
-            </a:r>
-          </a:p>
-          <a:p>
-            <a:pPr>
-              <a:buFont typeface="Wingdings" pitchFamily="2" charset="2"/>
-              <a:buChar char="Ø"/>
-            </a:pPr>
-            <a:r>
-              <a:rPr lang="en-GB" dirty="0" smtClean="0"/>
-              <a:t>Montserrat, sans-serif .</a:t>
-            </a:r>
-          </a:p>
-          <a:p>
-            <a:pPr>
-              <a:buFont typeface="Wingdings" pitchFamily="2" charset="2"/>
-              <a:buChar char="Ø"/>
-            </a:pPr>
-            <a:r>
-              <a:rPr lang="en-GB" dirty="0" smtClean="0"/>
-              <a:t>The Montserrat font is used for all text, providing a clean and modern look.</a:t>
-            </a:r>
-            <a:endParaRPr lang="en-US" dirty="0"/>
+              <a:rPr lang="en-GB" sz="2800" b="1" dirty="0" smtClean="0"/>
+              <a:t>Student List: </a:t>
+            </a:r>
+            <a:endParaRPr lang="en-US" sz="2800" b="1" dirty="0"/>
           </a:p>
         </p:txBody>
       </p:sp>
@@ -4179,6 +3972,518 @@
 </file>
 
 <file path=ppt/slides/slide12.xml><?xml version="1.0" encoding="utf-8"?>
+<p:sld xmlns:a="http://schemas.openxmlformats.org/drawingml/2006/main" xmlns:r="http://schemas.openxmlformats.org/officeDocument/2006/relationships" xmlns:p="http://schemas.openxmlformats.org/presentationml/2006/main">
+  <p:cSld>
+    <p:spTree>
+      <p:nvGrpSpPr>
+        <p:cNvPr id="1" name=""/>
+        <p:cNvGrpSpPr/>
+        <p:nvPr/>
+      </p:nvGrpSpPr>
+      <p:grpSpPr>
+        <a:xfrm>
+          <a:off x="0" y="0"/>
+          <a:ext cx="0" cy="0"/>
+          <a:chOff x="0" y="0"/>
+          <a:chExt cx="0" cy="0"/>
+        </a:xfrm>
+      </p:grpSpPr>
+      <p:pic>
+        <p:nvPicPr>
+          <p:cNvPr id="2" name="Picture 1" descr="a11.PNG"/>
+          <p:cNvPicPr>
+            <a:picLocks noChangeAspect="1"/>
+          </p:cNvPicPr>
+          <p:nvPr/>
+        </p:nvPicPr>
+        <p:blipFill>
+          <a:blip r:embed="rId2"/>
+          <a:stretch>
+            <a:fillRect/>
+          </a:stretch>
+        </p:blipFill>
+        <p:spPr>
+          <a:xfrm>
+            <a:off x="1752600" y="1219200"/>
+            <a:ext cx="5486400" cy="5215356"/>
+          </a:xfrm>
+          <a:prstGeom prst="rect">
+            <a:avLst/>
+          </a:prstGeom>
+        </p:spPr>
+      </p:pic>
+      <p:sp>
+        <p:nvSpPr>
+          <p:cNvPr id="3" name="Rectangle 2"/>
+          <p:cNvSpPr/>
+          <p:nvPr/>
+        </p:nvSpPr>
+        <p:spPr>
+          <a:xfrm>
+            <a:off x="609600" y="609600"/>
+            <a:ext cx="4419600" cy="523220"/>
+          </a:xfrm>
+          <a:prstGeom prst="rect">
+            <a:avLst/>
+          </a:prstGeom>
+        </p:spPr>
+        <p:txBody>
+          <a:bodyPr wrap="square">
+            <a:spAutoFit/>
+          </a:bodyPr>
+          <a:lstStyle/>
+          <a:p>
+            <a:r>
+              <a:rPr lang="en-GB" sz="2800" b="1" dirty="0" smtClean="0"/>
+              <a:t>View Student: </a:t>
+            </a:r>
+            <a:endParaRPr lang="en-US" sz="2800" b="1" dirty="0"/>
+          </a:p>
+        </p:txBody>
+      </p:sp>
+    </p:spTree>
+  </p:cSld>
+  <p:clrMapOvr>
+    <a:masterClrMapping/>
+  </p:clrMapOvr>
+</p:sld>
+</file>
+
+<file path=ppt/slides/slide13.xml><?xml version="1.0" encoding="utf-8"?>
+<p:sld xmlns:a="http://schemas.openxmlformats.org/drawingml/2006/main" xmlns:r="http://schemas.openxmlformats.org/officeDocument/2006/relationships" xmlns:p="http://schemas.openxmlformats.org/presentationml/2006/main">
+  <p:cSld>
+    <p:spTree>
+      <p:nvGrpSpPr>
+        <p:cNvPr id="1" name=""/>
+        <p:cNvGrpSpPr/>
+        <p:nvPr/>
+      </p:nvGrpSpPr>
+      <p:grpSpPr>
+        <a:xfrm>
+          <a:off x="0" y="0"/>
+          <a:ext cx="0" cy="0"/>
+          <a:chOff x="0" y="0"/>
+          <a:chExt cx="0" cy="0"/>
+        </a:xfrm>
+      </p:grpSpPr>
+      <p:pic>
+        <p:nvPicPr>
+          <p:cNvPr id="2" name="Picture 1" descr="a12.PNG"/>
+          <p:cNvPicPr>
+            <a:picLocks noChangeAspect="1"/>
+          </p:cNvPicPr>
+          <p:nvPr/>
+        </p:nvPicPr>
+        <p:blipFill>
+          <a:blip r:embed="rId2"/>
+          <a:stretch>
+            <a:fillRect/>
+          </a:stretch>
+        </p:blipFill>
+        <p:spPr>
+          <a:xfrm>
+            <a:off x="1295400" y="990600"/>
+            <a:ext cx="6705600" cy="5252943"/>
+          </a:xfrm>
+          <a:prstGeom prst="rect">
+            <a:avLst/>
+          </a:prstGeom>
+        </p:spPr>
+      </p:pic>
+      <p:sp>
+        <p:nvSpPr>
+          <p:cNvPr id="4" name="Rectangle 3"/>
+          <p:cNvSpPr/>
+          <p:nvPr/>
+        </p:nvSpPr>
+        <p:spPr>
+          <a:xfrm>
+            <a:off x="1371600" y="228600"/>
+            <a:ext cx="2430474" cy="523220"/>
+          </a:xfrm>
+          <a:prstGeom prst="rect">
+            <a:avLst/>
+          </a:prstGeom>
+        </p:spPr>
+        <p:txBody>
+          <a:bodyPr wrap="none">
+            <a:spAutoFit/>
+          </a:bodyPr>
+          <a:lstStyle/>
+          <a:p>
+            <a:r>
+              <a:rPr lang="en-GB" sz="2800" b="1" dirty="0" smtClean="0"/>
+              <a:t>Edit Student:</a:t>
+            </a:r>
+            <a:endParaRPr lang="en-US" sz="2800" b="1" dirty="0"/>
+          </a:p>
+        </p:txBody>
+      </p:sp>
+    </p:spTree>
+  </p:cSld>
+  <p:clrMapOvr>
+    <a:masterClrMapping/>
+  </p:clrMapOvr>
+</p:sld>
+</file>
+
+<file path=ppt/slides/slide14.xml><?xml version="1.0" encoding="utf-8"?>
+<p:sld xmlns:a="http://schemas.openxmlformats.org/drawingml/2006/main" xmlns:r="http://schemas.openxmlformats.org/officeDocument/2006/relationships" xmlns:p="http://schemas.openxmlformats.org/presentationml/2006/main">
+  <p:cSld>
+    <p:spTree>
+      <p:nvGrpSpPr>
+        <p:cNvPr id="1" name=""/>
+        <p:cNvGrpSpPr/>
+        <p:nvPr/>
+      </p:nvGrpSpPr>
+      <p:grpSpPr>
+        <a:xfrm>
+          <a:off x="0" y="0"/>
+          <a:ext cx="0" cy="0"/>
+          <a:chOff x="0" y="0"/>
+          <a:chExt cx="0" cy="0"/>
+        </a:xfrm>
+      </p:grpSpPr>
+      <p:sp>
+        <p:nvSpPr>
+          <p:cNvPr id="2" name="Rectangle 1"/>
+          <p:cNvSpPr/>
+          <p:nvPr/>
+        </p:nvSpPr>
+        <p:spPr>
+          <a:xfrm>
+            <a:off x="838200" y="838200"/>
+            <a:ext cx="7848600" cy="5509200"/>
+          </a:xfrm>
+          <a:prstGeom prst="rect">
+            <a:avLst/>
+          </a:prstGeom>
+        </p:spPr>
+        <p:txBody>
+          <a:bodyPr wrap="square">
+            <a:spAutoFit/>
+          </a:bodyPr>
+          <a:lstStyle/>
+          <a:p>
+            <a:r>
+              <a:rPr lang="en-GB" sz="3200" dirty="0" smtClean="0"/>
+              <a:t>Technologies: </a:t>
+            </a:r>
+          </a:p>
+          <a:p>
+            <a:endParaRPr lang="en-GB" dirty="0" smtClean="0"/>
+          </a:p>
+          <a:p>
+            <a:r>
+              <a:rPr lang="en-GB" dirty="0" smtClean="0">
+                <a:solidFill>
+                  <a:schemeClr val="bg1"/>
+                </a:solidFill>
+              </a:rPr>
+              <a:t>Flask: </a:t>
+            </a:r>
+            <a:r>
+              <a:rPr lang="en-GB" dirty="0" smtClean="0"/>
+              <a:t>Flask is a lightweight web framework for Python. It's used here to handle routing, request handling, and rendering templates. As a micro-framework, it provides the necessary tools to build a robust web application without unnecessary complexity. This is the reason </a:t>
+            </a:r>
+            <a:r>
+              <a:rPr lang="en-GB" dirty="0" err="1" smtClean="0"/>
+              <a:t>i</a:t>
+            </a:r>
+            <a:r>
+              <a:rPr lang="en-GB" dirty="0" smtClean="0"/>
+              <a:t> choose flask for my project.</a:t>
+            </a:r>
+          </a:p>
+          <a:p>
+            <a:endParaRPr lang="en-GB" dirty="0" smtClean="0"/>
+          </a:p>
+          <a:p>
+            <a:r>
+              <a:rPr lang="en-GB" dirty="0" err="1" smtClean="0">
+                <a:solidFill>
+                  <a:schemeClr val="bg1"/>
+                </a:solidFill>
+              </a:rPr>
+              <a:t>Pymysql</a:t>
+            </a:r>
+            <a:r>
+              <a:rPr lang="en-GB" dirty="0" smtClean="0">
+                <a:solidFill>
+                  <a:schemeClr val="bg1"/>
+                </a:solidFill>
+              </a:rPr>
+              <a:t>: </a:t>
+            </a:r>
+            <a:r>
+              <a:rPr lang="en-GB" dirty="0" smtClean="0"/>
+              <a:t>This library is used to connect to a </a:t>
+            </a:r>
+            <a:r>
+              <a:rPr lang="en-GB" dirty="0" err="1" smtClean="0"/>
+              <a:t>MySQL</a:t>
+            </a:r>
+            <a:r>
+              <a:rPr lang="en-GB" dirty="0" smtClean="0"/>
+              <a:t> database. It facilitates the interaction between the Python application and the database. Html/</a:t>
+            </a:r>
+            <a:r>
+              <a:rPr lang="en-GB" dirty="0" err="1" smtClean="0"/>
+              <a:t>css</a:t>
+            </a:r>
+            <a:r>
+              <a:rPr lang="en-GB" dirty="0" smtClean="0"/>
+              <a:t>/</a:t>
+            </a:r>
+            <a:r>
+              <a:rPr lang="en-GB" dirty="0" err="1" smtClean="0"/>
+              <a:t>js</a:t>
+            </a:r>
+            <a:r>
+              <a:rPr lang="en-GB" dirty="0" smtClean="0"/>
+              <a:t>.</a:t>
+            </a:r>
+          </a:p>
+          <a:p>
+            <a:endParaRPr lang="en-GB" dirty="0" smtClean="0"/>
+          </a:p>
+          <a:p>
+            <a:r>
+              <a:rPr lang="en-GB" sz="3200" dirty="0" smtClean="0"/>
+              <a:t>Template:</a:t>
+            </a:r>
+          </a:p>
+          <a:p>
+            <a:r>
+              <a:rPr lang="en-GB" dirty="0" smtClean="0"/>
+              <a:t> </a:t>
+            </a:r>
+          </a:p>
+          <a:p>
+            <a:r>
+              <a:rPr lang="en-GB" dirty="0" smtClean="0"/>
+              <a:t>The code uses HTML templates to render the views. For example, add_student.html, display_students.html, view_student.html, edit_student.html, dashboard.html, Register.html, and login.html are templates that render different pages of the application.</a:t>
+            </a:r>
+            <a:endParaRPr lang="en-US" dirty="0"/>
+          </a:p>
+        </p:txBody>
+      </p:sp>
+    </p:spTree>
+  </p:cSld>
+  <p:clrMapOvr>
+    <a:masterClrMapping/>
+  </p:clrMapOvr>
+</p:sld>
+</file>
+
+<file path=ppt/slides/slide15.xml><?xml version="1.0" encoding="utf-8"?>
+<p:sld xmlns:a="http://schemas.openxmlformats.org/drawingml/2006/main" xmlns:r="http://schemas.openxmlformats.org/officeDocument/2006/relationships" xmlns:p="http://schemas.openxmlformats.org/presentationml/2006/main">
+  <p:cSld>
+    <p:spTree>
+      <p:nvGrpSpPr>
+        <p:cNvPr id="1" name=""/>
+        <p:cNvGrpSpPr/>
+        <p:nvPr/>
+      </p:nvGrpSpPr>
+      <p:grpSpPr>
+        <a:xfrm>
+          <a:off x="0" y="0"/>
+          <a:ext cx="0" cy="0"/>
+          <a:chOff x="0" y="0"/>
+          <a:chExt cx="0" cy="0"/>
+        </a:xfrm>
+      </p:grpSpPr>
+      <p:sp>
+        <p:nvSpPr>
+          <p:cNvPr id="2" name="Rectangle 1"/>
+          <p:cNvSpPr/>
+          <p:nvPr/>
+        </p:nvSpPr>
+        <p:spPr>
+          <a:xfrm>
+            <a:off x="457200" y="457201"/>
+            <a:ext cx="8382000" cy="4924425"/>
+          </a:xfrm>
+          <a:prstGeom prst="rect">
+            <a:avLst/>
+          </a:prstGeom>
+        </p:spPr>
+        <p:txBody>
+          <a:bodyPr wrap="square">
+            <a:spAutoFit/>
+          </a:bodyPr>
+          <a:lstStyle/>
+          <a:p>
+            <a:r>
+              <a:rPr lang="en-GB" sz="3200" dirty="0" err="1" smtClean="0"/>
+              <a:t>Color</a:t>
+            </a:r>
+            <a:r>
+              <a:rPr lang="en-GB" sz="3200" dirty="0" smtClean="0"/>
+              <a:t> Scheme: </a:t>
+            </a:r>
+          </a:p>
+          <a:p>
+            <a:endParaRPr lang="en-GB" dirty="0" smtClean="0"/>
+          </a:p>
+          <a:p>
+            <a:r>
+              <a:rPr lang="en-GB" b="1" dirty="0" smtClean="0">
+                <a:solidFill>
+                  <a:schemeClr val="bg1"/>
+                </a:solidFill>
+              </a:rPr>
+              <a:t>Background Gradient: </a:t>
+            </a:r>
+            <a:r>
+              <a:rPr lang="en-GB" dirty="0" err="1" smtClean="0"/>
+              <a:t>Colors</a:t>
+            </a:r>
+            <a:r>
+              <a:rPr lang="en-GB" dirty="0" smtClean="0"/>
+              <a:t>: #ee7752, #e73c7e, #23a6d5, #23d5ab This creates a gradient background that transitions between shades of orange, pink, light blue, and green. I use hover Effect.</a:t>
+            </a:r>
+          </a:p>
+          <a:p>
+            <a:r>
+              <a:rPr lang="en-GB" b="1" dirty="0" smtClean="0">
+                <a:solidFill>
+                  <a:schemeClr val="bg1"/>
+                </a:solidFill>
+              </a:rPr>
+              <a:t>Form Background: </a:t>
+            </a:r>
+            <a:r>
+              <a:rPr lang="en-GB" dirty="0" smtClean="0"/>
+              <a:t>Light gray background for the form. </a:t>
+            </a:r>
+          </a:p>
+          <a:p>
+            <a:r>
+              <a:rPr lang="en-GB" b="1" dirty="0" smtClean="0">
+                <a:solidFill>
+                  <a:schemeClr val="bg1"/>
+                </a:solidFill>
+              </a:rPr>
+              <a:t>Text </a:t>
+            </a:r>
+            <a:r>
+              <a:rPr lang="en-GB" b="1" dirty="0" err="1" smtClean="0">
+                <a:solidFill>
+                  <a:schemeClr val="bg1"/>
+                </a:solidFill>
+              </a:rPr>
+              <a:t>Colors</a:t>
+            </a:r>
+            <a:r>
+              <a:rPr lang="en-GB" b="1" dirty="0" smtClean="0">
+                <a:solidFill>
+                  <a:schemeClr val="bg1"/>
+                </a:solidFill>
+              </a:rPr>
+              <a:t>: </a:t>
+            </a:r>
+          </a:p>
+          <a:p>
+            <a:pPr>
+              <a:buFont typeface="Wingdings" pitchFamily="2" charset="2"/>
+              <a:buChar char="Ø"/>
+            </a:pPr>
+            <a:r>
+              <a:rPr lang="en-GB" dirty="0" smtClean="0"/>
+              <a:t>White (#</a:t>
+            </a:r>
+            <a:r>
+              <a:rPr lang="en-GB" dirty="0" err="1" smtClean="0"/>
+              <a:t>fff</a:t>
+            </a:r>
+            <a:r>
+              <a:rPr lang="en-GB" dirty="0" smtClean="0"/>
+              <a:t>) for header text.</a:t>
+            </a:r>
+          </a:p>
+          <a:p>
+            <a:pPr>
+              <a:buFont typeface="Wingdings" pitchFamily="2" charset="2"/>
+              <a:buChar char="Ø"/>
+            </a:pPr>
+            <a:r>
+              <a:rPr lang="en-GB" dirty="0" smtClean="0"/>
+              <a:t> Dark red (#</a:t>
+            </a:r>
+            <a:r>
+              <a:rPr lang="en-GB" dirty="0" err="1" smtClean="0"/>
+              <a:t>darkred</a:t>
+            </a:r>
+            <a:r>
+              <a:rPr lang="en-GB" dirty="0" smtClean="0"/>
+              <a:t>) for label text. </a:t>
+            </a:r>
+          </a:p>
+          <a:p>
+            <a:pPr>
+              <a:buFont typeface="Wingdings" pitchFamily="2" charset="2"/>
+              <a:buChar char="Ø"/>
+            </a:pPr>
+            <a:r>
+              <a:rPr lang="en-GB" dirty="0" smtClean="0"/>
+              <a:t>Various shades of blue and red for form input borders and button  gradients. </a:t>
+            </a:r>
+          </a:p>
+          <a:p>
+            <a:endParaRPr lang="en-GB" dirty="0" smtClean="0"/>
+          </a:p>
+          <a:p>
+            <a:r>
+              <a:rPr lang="en-GB" sz="3200" dirty="0" smtClean="0"/>
+              <a:t>Fonts: </a:t>
+            </a:r>
+          </a:p>
+          <a:p>
+            <a:endParaRPr lang="en-GB" sz="1600" dirty="0" smtClean="0"/>
+          </a:p>
+          <a:p>
+            <a:r>
+              <a:rPr lang="en-GB" b="1" dirty="0" smtClean="0">
+                <a:solidFill>
+                  <a:schemeClr val="bg1"/>
+                </a:solidFill>
+              </a:rPr>
+              <a:t>Font Family: </a:t>
+            </a:r>
+          </a:p>
+          <a:p>
+            <a:pPr>
+              <a:buFont typeface="Wingdings" pitchFamily="2" charset="2"/>
+              <a:buChar char="Ø"/>
+            </a:pPr>
+            <a:r>
+              <a:rPr lang="en-GB" dirty="0" smtClean="0"/>
+              <a:t>Montserrat, sans-serif .</a:t>
+            </a:r>
+          </a:p>
+          <a:p>
+            <a:pPr>
+              <a:buFont typeface="Wingdings" pitchFamily="2" charset="2"/>
+              <a:buChar char="Ø"/>
+            </a:pPr>
+            <a:r>
+              <a:rPr lang="en-GB" dirty="0" smtClean="0"/>
+              <a:t>The Montserrat font is used for all text, providing a clean and modern look.</a:t>
+            </a:r>
+            <a:endParaRPr lang="en-US" dirty="0"/>
+          </a:p>
+        </p:txBody>
+      </p:sp>
+    </p:spTree>
+  </p:cSld>
+  <p:clrMapOvr>
+    <a:masterClrMapping/>
+  </p:clrMapOvr>
+</p:sld>
+</file>
+
+<file path=ppt/slides/slide16.xml><?xml version="1.0" encoding="utf-8"?>
 <p:sld xmlns:a="http://schemas.openxmlformats.org/drawingml/2006/main" xmlns:r="http://schemas.openxmlformats.org/officeDocument/2006/relationships" xmlns:p="http://schemas.openxmlformats.org/presentationml/2006/main">
   <p:cSld>
     <p:spTree>
@@ -4952,11 +5257,46 @@
         </p:blipFill>
         <p:spPr>
           <a:xfrm>
-            <a:off x="457200" y="1737717"/>
-            <a:ext cx="8001000" cy="4343004"/>
+            <a:off x="609600" y="2590800"/>
+            <a:ext cx="8001000" cy="3870921"/>
           </a:xfrm>
         </p:spPr>
       </p:pic>
+      <p:sp>
+        <p:nvSpPr>
+          <p:cNvPr id="5" name="Rectangle 4"/>
+          <p:cNvSpPr/>
+          <p:nvPr/>
+        </p:nvSpPr>
+        <p:spPr>
+          <a:xfrm>
+            <a:off x="685800" y="1447800"/>
+            <a:ext cx="7772400" cy="1077218"/>
+          </a:xfrm>
+          <a:prstGeom prst="rect">
+            <a:avLst/>
+          </a:prstGeom>
+        </p:spPr>
+        <p:txBody>
+          <a:bodyPr wrap="square">
+            <a:spAutoFit/>
+          </a:bodyPr>
+          <a:lstStyle/>
+          <a:p>
+            <a:r>
+              <a:rPr lang="en-GB" dirty="0" smtClean="0"/>
+              <a:t>I used hover styling in background that's why screen background colours changed</a:t>
+            </a:r>
+          </a:p>
+          <a:p>
+            <a:r>
+              <a:rPr lang="en-GB" sz="2800" b="1" dirty="0" smtClean="0"/>
+              <a:t>Register:</a:t>
+            </a:r>
+            <a:endParaRPr lang="en-US" sz="2800" b="1" dirty="0"/>
+          </a:p>
+        </p:txBody>
+      </p:sp>
     </p:spTree>
   </p:cSld>
   <p:clrMapOvr>
@@ -4998,38 +5338,14 @@
         </p:blipFill>
         <p:spPr>
           <a:xfrm>
-            <a:off x="1600200" y="381001"/>
-            <a:ext cx="6324600" cy="2133599"/>
+            <a:off x="1524000" y="1600200"/>
+            <a:ext cx="6324600" cy="4267200"/>
           </a:xfrm>
           <a:prstGeom prst="rect">
             <a:avLst/>
           </a:prstGeom>
         </p:spPr>
       </p:pic>
-      <p:pic>
-        <p:nvPicPr>
-          <p:cNvPr id="3" name="Picture 2" descr="a3.PNG"/>
-          <p:cNvPicPr>
-            <a:picLocks noChangeAspect="1"/>
-          </p:cNvPicPr>
-          <p:nvPr/>
-        </p:nvPicPr>
-        <p:blipFill>
-          <a:blip r:embed="rId3"/>
-          <a:stretch>
-            <a:fillRect/>
-          </a:stretch>
-        </p:blipFill>
-        <p:spPr>
-          <a:xfrm>
-            <a:off x="1524000" y="2819400"/>
-            <a:ext cx="6400800" cy="2916898"/>
-          </a:xfrm>
-          <a:prstGeom prst="rect">
-            <a:avLst/>
-          </a:prstGeom>
-        </p:spPr>
-      </p:pic>
       <p:sp>
         <p:nvSpPr>
           <p:cNvPr id="4" name="Rectangle 3"/>
@@ -5038,8 +5354,8 @@
         </p:nvSpPr>
         <p:spPr>
           <a:xfrm>
-            <a:off x="1676400" y="2514600"/>
-            <a:ext cx="3658736" cy="369332"/>
+            <a:off x="1447800" y="685800"/>
+            <a:ext cx="3658736" cy="523220"/>
           </a:xfrm>
           <a:prstGeom prst="rect">
             <a:avLst/>
@@ -5052,10 +5368,14 @@
           <a:lstStyle/>
           <a:p>
             <a:r>
-              <a:rPr lang="en-GB" dirty="0" smtClean="0"/>
-              <a:t>Top view of dashboard </a:t>
-            </a:r>
-            <a:endParaRPr lang="en-US" dirty="0"/>
+              <a:rPr lang="en-GB" sz="2800" b="1" dirty="0" smtClean="0"/>
+              <a:t>Login</a:t>
+            </a:r>
+            <a:r>
+              <a:rPr lang="en-GB" b="1" dirty="0" smtClean="0"/>
+              <a:t>: </a:t>
+            </a:r>
+            <a:endParaRPr lang="en-US" b="1" dirty="0"/>
           </a:p>
         </p:txBody>
       </p:sp>
@@ -5086,7 +5406,7 @@
       </p:grpSpPr>
       <p:pic>
         <p:nvPicPr>
-          <p:cNvPr id="4" name="Picture 3" descr="a9.PNG"/>
+          <p:cNvPr id="2" name="Picture 1" descr="a3.PNG"/>
           <p:cNvPicPr>
             <a:picLocks noChangeAspect="1"/>
           </p:cNvPicPr>
@@ -5100,8 +5420,61 @@
         </p:blipFill>
         <p:spPr>
           <a:xfrm>
-            <a:off x="609600" y="770392"/>
-            <a:ext cx="7772400" cy="5317216"/>
+            <a:off x="914400" y="914400"/>
+            <a:ext cx="6934200" cy="2514600"/>
+          </a:xfrm>
+          <a:prstGeom prst="rect">
+            <a:avLst/>
+          </a:prstGeom>
+        </p:spPr>
+      </p:pic>
+      <p:sp>
+        <p:nvSpPr>
+          <p:cNvPr id="3" name="Rectangle 2"/>
+          <p:cNvSpPr/>
+          <p:nvPr/>
+        </p:nvSpPr>
+        <p:spPr>
+          <a:xfrm>
+            <a:off x="838200" y="381000"/>
+            <a:ext cx="2304092" cy="523220"/>
+          </a:xfrm>
+          <a:prstGeom prst="rect">
+            <a:avLst/>
+          </a:prstGeom>
+        </p:spPr>
+        <p:txBody>
+          <a:bodyPr wrap="none">
+            <a:spAutoFit/>
+          </a:bodyPr>
+          <a:lstStyle/>
+          <a:p>
+            <a:r>
+              <a:rPr lang="en-GB" sz="2800" b="1" dirty="0" smtClean="0"/>
+              <a:t>Dashboard: </a:t>
+            </a:r>
+            <a:endParaRPr lang="en-US" sz="2800" b="1" dirty="0"/>
+          </a:p>
+        </p:txBody>
+      </p:sp>
+      <p:pic>
+        <p:nvPicPr>
+          <p:cNvPr id="4" name="Picture 3" descr="a4.PNG"/>
+          <p:cNvPicPr>
+            <a:picLocks noChangeAspect="1"/>
+          </p:cNvPicPr>
+          <p:nvPr/>
+        </p:nvPicPr>
+        <p:blipFill>
+          <a:blip r:embed="rId3"/>
+          <a:stretch>
+            <a:fillRect/>
+          </a:stretch>
+        </p:blipFill>
+        <p:spPr>
+          <a:xfrm>
+            <a:off x="914400" y="3657600"/>
+            <a:ext cx="6934200" cy="2603618"/>
           </a:xfrm>
           <a:prstGeom prst="rect">
             <a:avLst/>
@@ -5135,7 +5508,7 @@
       </p:grpSpPr>
       <p:pic>
         <p:nvPicPr>
-          <p:cNvPr id="2" name="Picture 1" descr="a10.PNG"/>
+          <p:cNvPr id="2" name="Picture 1" descr="a5.PNG"/>
           <p:cNvPicPr>
             <a:picLocks noChangeAspect="1"/>
           </p:cNvPicPr>
@@ -5149,8 +5522,8 @@
         </p:blipFill>
         <p:spPr>
           <a:xfrm>
-            <a:off x="762000" y="609601"/>
-            <a:ext cx="7696200" cy="2971800"/>
+            <a:off x="1143000" y="381000"/>
+            <a:ext cx="7086600" cy="3077689"/>
           </a:xfrm>
           <a:prstGeom prst="rect">
             <a:avLst/>
@@ -5159,7 +5532,7 @@
       </p:pic>
       <p:pic>
         <p:nvPicPr>
-          <p:cNvPr id="3" name="Picture 2" descr="a11.PNG"/>
+          <p:cNvPr id="3" name="Picture 2" descr="a6.PNG"/>
           <p:cNvPicPr>
             <a:picLocks noChangeAspect="1"/>
           </p:cNvPicPr>
@@ -5173,8 +5546,8 @@
         </p:blipFill>
         <p:spPr>
           <a:xfrm>
-            <a:off x="685801" y="4038600"/>
-            <a:ext cx="7696200" cy="2395956"/>
+            <a:off x="1371600" y="3810000"/>
+            <a:ext cx="6858000" cy="2514600"/>
           </a:xfrm>
           <a:prstGeom prst="rect">
             <a:avLst/>
@@ -5208,7 +5581,7 @@
       </p:grpSpPr>
       <p:pic>
         <p:nvPicPr>
-          <p:cNvPr id="2" name="Picture 1" descr="a12.PNG"/>
+          <p:cNvPr id="2" name="Picture 1" descr="a7.PNG"/>
           <p:cNvPicPr>
             <a:picLocks noChangeAspect="1"/>
           </p:cNvPicPr>
@@ -5222,43 +5595,14 @@
         </p:blipFill>
         <p:spPr>
           <a:xfrm>
-            <a:off x="1295400" y="990600"/>
-            <a:ext cx="6705600" cy="5252943"/>
+            <a:off x="990600" y="1114469"/>
+            <a:ext cx="7239000" cy="4600531"/>
           </a:xfrm>
           <a:prstGeom prst="rect">
             <a:avLst/>
           </a:prstGeom>
         </p:spPr>
       </p:pic>
-      <p:sp>
-        <p:nvSpPr>
-          <p:cNvPr id="4" name="Rectangle 3"/>
-          <p:cNvSpPr/>
-          <p:nvPr/>
-        </p:nvSpPr>
-        <p:spPr>
-          <a:xfrm>
-            <a:off x="1371600" y="228600"/>
-            <a:ext cx="1896673" cy="461665"/>
-          </a:xfrm>
-          <a:prstGeom prst="rect">
-            <a:avLst/>
-          </a:prstGeom>
-        </p:spPr>
-        <p:txBody>
-          <a:bodyPr wrap="none">
-            <a:spAutoFit/>
-          </a:bodyPr>
-          <a:lstStyle/>
-          <a:p>
-            <a:r>
-              <a:rPr lang="en-GB" sz="2400" dirty="0" smtClean="0"/>
-              <a:t>Edit Student</a:t>
-            </a:r>
-            <a:endParaRPr lang="en-US" sz="2400" dirty="0"/>
-          </a:p>
-        </p:txBody>
-      </p:sp>
     </p:spTree>
   </p:cSld>
   <p:clrMapOvr>
